--- a/ppt 16-9/0453.古老的穹苍.pptx
+++ b/ppt 16-9/0453.古老的穹苍.pptx
@@ -129,7 +129,7 @@
           <p:cNvPr id="2" name="标题 1">
             <a:extLst>
               <a:ext uri="{FF2B5EF4-FFF2-40B4-BE49-F238E27FC236}">
-                <a16:creationId xmlns:a16="http://schemas.microsoft.com/office/drawing/2014/main" id="{DE0B55E0-EE92-99F1-181F-CAA3330B97D7}"/>
+                <a16:creationId xmlns:a16="http://schemas.microsoft.com/office/drawing/2014/main" id="{ACFD718A-FFBC-BCAF-7BC6-EAF1E43F1652}"/>
               </a:ext>
             </a:extLst>
           </p:cNvPr>
@@ -166,7 +166,7 @@
           <p:cNvPr id="3" name="副标题 2">
             <a:extLst>
               <a:ext uri="{FF2B5EF4-FFF2-40B4-BE49-F238E27FC236}">
-                <a16:creationId xmlns:a16="http://schemas.microsoft.com/office/drawing/2014/main" id="{174A762E-01C9-4ACC-ED9B-3BA9961467DB}"/>
+                <a16:creationId xmlns:a16="http://schemas.microsoft.com/office/drawing/2014/main" id="{B3573E26-C65A-BD25-0C7D-0CF722ADE15A}"/>
               </a:ext>
             </a:extLst>
           </p:cNvPr>
@@ -236,7 +236,7 @@
           <p:cNvPr id="4" name="日期占位符 3">
             <a:extLst>
               <a:ext uri="{FF2B5EF4-FFF2-40B4-BE49-F238E27FC236}">
-                <a16:creationId xmlns:a16="http://schemas.microsoft.com/office/drawing/2014/main" id="{A6CA8E76-A5AD-7AB8-5917-77646D993709}"/>
+                <a16:creationId xmlns:a16="http://schemas.microsoft.com/office/drawing/2014/main" id="{113B0C59-FD11-E5F0-A6D3-0841208AB532}"/>
               </a:ext>
             </a:extLst>
           </p:cNvPr>
@@ -252,7 +252,7 @@
           <a:bodyPr/>
           <a:lstStyle/>
           <a:p>
-            <a:fld id="{750DB789-506A-4687-A57C-FD2BD3D14800}" type="datetimeFigureOut">
+            <a:fld id="{7214CAD4-2C80-469B-8EA7-EF8EB61BE22B}" type="datetimeFigureOut">
               <a:rPr lang="zh-CN" altLang="en-US" smtClean="0"/>
               <a:t>2024/3/10</a:t>
             </a:fld>
@@ -265,7 +265,7 @@
           <p:cNvPr id="5" name="页脚占位符 4">
             <a:extLst>
               <a:ext uri="{FF2B5EF4-FFF2-40B4-BE49-F238E27FC236}">
-                <a16:creationId xmlns:a16="http://schemas.microsoft.com/office/drawing/2014/main" id="{CEFD572E-1511-4F27-CA70-7EAAD41DE920}"/>
+                <a16:creationId xmlns:a16="http://schemas.microsoft.com/office/drawing/2014/main" id="{57FCD0BF-9E9D-379D-496A-708DB315A821}"/>
               </a:ext>
             </a:extLst>
           </p:cNvPr>
@@ -290,7 +290,7 @@
           <p:cNvPr id="6" name="灯片编号占位符 5">
             <a:extLst>
               <a:ext uri="{FF2B5EF4-FFF2-40B4-BE49-F238E27FC236}">
-                <a16:creationId xmlns:a16="http://schemas.microsoft.com/office/drawing/2014/main" id="{64BB3F22-8FD6-1A76-266A-F6B511D07E13}"/>
+                <a16:creationId xmlns:a16="http://schemas.microsoft.com/office/drawing/2014/main" id="{C60E74BC-BBFF-1C0A-8499-66754217D3E4}"/>
               </a:ext>
             </a:extLst>
           </p:cNvPr>
@@ -306,7 +306,7 @@
           <a:bodyPr/>
           <a:lstStyle/>
           <a:p>
-            <a:fld id="{8A4120BC-A991-4EEF-BF6D-247B664350CA}" type="slidenum">
+            <a:fld id="{35F473A7-3BDE-47DD-9586-1C64032C4B54}" type="slidenum">
               <a:rPr lang="zh-CN" altLang="en-US" smtClean="0"/>
               <a:t>‹#›</a:t>
             </a:fld>
@@ -317,7 +317,7 @@
     </p:spTree>
     <p:extLst>
       <p:ext uri="{BB962C8B-B14F-4D97-AF65-F5344CB8AC3E}">
-        <p14:creationId xmlns:p14="http://schemas.microsoft.com/office/powerpoint/2010/main" val="1445284855"/>
+        <p14:creationId xmlns:p14="http://schemas.microsoft.com/office/powerpoint/2010/main" val="1102643876"/>
       </p:ext>
     </p:extLst>
   </p:cSld>
@@ -349,7 +349,7 @@
           <p:cNvPr id="2" name="标题 1">
             <a:extLst>
               <a:ext uri="{FF2B5EF4-FFF2-40B4-BE49-F238E27FC236}">
-                <a16:creationId xmlns:a16="http://schemas.microsoft.com/office/drawing/2014/main" id="{6AF09D97-242A-231B-DB4C-395079320723}"/>
+                <a16:creationId xmlns:a16="http://schemas.microsoft.com/office/drawing/2014/main" id="{7B5ED69F-1579-DD3C-2D1A-2CF472D2A24D}"/>
               </a:ext>
             </a:extLst>
           </p:cNvPr>
@@ -377,7 +377,7 @@
           <p:cNvPr id="3" name="竖排文字占位符 2">
             <a:extLst>
               <a:ext uri="{FF2B5EF4-FFF2-40B4-BE49-F238E27FC236}">
-                <a16:creationId xmlns:a16="http://schemas.microsoft.com/office/drawing/2014/main" id="{681FAE0F-2122-BA15-B537-1F8154F9250C}"/>
+                <a16:creationId xmlns:a16="http://schemas.microsoft.com/office/drawing/2014/main" id="{A9E3EC93-8B26-0E60-1450-D8240C733D2D}"/>
               </a:ext>
             </a:extLst>
           </p:cNvPr>
@@ -434,7 +434,7 @@
           <p:cNvPr id="4" name="日期占位符 3">
             <a:extLst>
               <a:ext uri="{FF2B5EF4-FFF2-40B4-BE49-F238E27FC236}">
-                <a16:creationId xmlns:a16="http://schemas.microsoft.com/office/drawing/2014/main" id="{D12604EF-DB61-06AD-8913-9078A92A3FC0}"/>
+                <a16:creationId xmlns:a16="http://schemas.microsoft.com/office/drawing/2014/main" id="{FD40A20B-22D3-F69A-DA90-B57A4A7EDC1B}"/>
               </a:ext>
             </a:extLst>
           </p:cNvPr>
@@ -450,7 +450,7 @@
           <a:bodyPr/>
           <a:lstStyle/>
           <a:p>
-            <a:fld id="{750DB789-506A-4687-A57C-FD2BD3D14800}" type="datetimeFigureOut">
+            <a:fld id="{7214CAD4-2C80-469B-8EA7-EF8EB61BE22B}" type="datetimeFigureOut">
               <a:rPr lang="zh-CN" altLang="en-US" smtClean="0"/>
               <a:t>2024/3/10</a:t>
             </a:fld>
@@ -463,7 +463,7 @@
           <p:cNvPr id="5" name="页脚占位符 4">
             <a:extLst>
               <a:ext uri="{FF2B5EF4-FFF2-40B4-BE49-F238E27FC236}">
-                <a16:creationId xmlns:a16="http://schemas.microsoft.com/office/drawing/2014/main" id="{4509A3B0-0A2E-0654-F7E6-33E3EDA7AE34}"/>
+                <a16:creationId xmlns:a16="http://schemas.microsoft.com/office/drawing/2014/main" id="{4EEABEA3-B200-BB5F-427B-004E87F210B4}"/>
               </a:ext>
             </a:extLst>
           </p:cNvPr>
@@ -488,7 +488,7 @@
           <p:cNvPr id="6" name="灯片编号占位符 5">
             <a:extLst>
               <a:ext uri="{FF2B5EF4-FFF2-40B4-BE49-F238E27FC236}">
-                <a16:creationId xmlns:a16="http://schemas.microsoft.com/office/drawing/2014/main" id="{6C3B5267-63DA-4CB7-2A60-6D75A36891C7}"/>
+                <a16:creationId xmlns:a16="http://schemas.microsoft.com/office/drawing/2014/main" id="{CC3BE8A5-B203-162F-034E-FD58BACF2242}"/>
               </a:ext>
             </a:extLst>
           </p:cNvPr>
@@ -504,7 +504,7 @@
           <a:bodyPr/>
           <a:lstStyle/>
           <a:p>
-            <a:fld id="{8A4120BC-A991-4EEF-BF6D-247B664350CA}" type="slidenum">
+            <a:fld id="{35F473A7-3BDE-47DD-9586-1C64032C4B54}" type="slidenum">
               <a:rPr lang="zh-CN" altLang="en-US" smtClean="0"/>
               <a:t>‹#›</a:t>
             </a:fld>
@@ -515,7 +515,7 @@
     </p:spTree>
     <p:extLst>
       <p:ext uri="{BB962C8B-B14F-4D97-AF65-F5344CB8AC3E}">
-        <p14:creationId xmlns:p14="http://schemas.microsoft.com/office/powerpoint/2010/main" val="3893964337"/>
+        <p14:creationId xmlns:p14="http://schemas.microsoft.com/office/powerpoint/2010/main" val="3837877187"/>
       </p:ext>
     </p:extLst>
   </p:cSld>
@@ -547,7 +547,7 @@
           <p:cNvPr id="2" name="竖排标题 1">
             <a:extLst>
               <a:ext uri="{FF2B5EF4-FFF2-40B4-BE49-F238E27FC236}">
-                <a16:creationId xmlns:a16="http://schemas.microsoft.com/office/drawing/2014/main" id="{314CA069-CC93-CFF2-6E7E-D8EA3385E096}"/>
+                <a16:creationId xmlns:a16="http://schemas.microsoft.com/office/drawing/2014/main" id="{8F9319E8-A618-CF97-5A42-ACD0ADE8ADAA}"/>
               </a:ext>
             </a:extLst>
           </p:cNvPr>
@@ -580,7 +580,7 @@
           <p:cNvPr id="3" name="竖排文字占位符 2">
             <a:extLst>
               <a:ext uri="{FF2B5EF4-FFF2-40B4-BE49-F238E27FC236}">
-                <a16:creationId xmlns:a16="http://schemas.microsoft.com/office/drawing/2014/main" id="{5CDA1178-77BF-9F18-C9C5-7968D0BC849D}"/>
+                <a16:creationId xmlns:a16="http://schemas.microsoft.com/office/drawing/2014/main" id="{B269D154-64CF-4F88-31FA-595BF45A2060}"/>
               </a:ext>
             </a:extLst>
           </p:cNvPr>
@@ -642,7 +642,7 @@
           <p:cNvPr id="4" name="日期占位符 3">
             <a:extLst>
               <a:ext uri="{FF2B5EF4-FFF2-40B4-BE49-F238E27FC236}">
-                <a16:creationId xmlns:a16="http://schemas.microsoft.com/office/drawing/2014/main" id="{660F0485-99F2-4909-AC52-316EF22C1E5C}"/>
+                <a16:creationId xmlns:a16="http://schemas.microsoft.com/office/drawing/2014/main" id="{91FF5805-316B-3CB9-EBEA-ACE1AF6685F8}"/>
               </a:ext>
             </a:extLst>
           </p:cNvPr>
@@ -658,7 +658,7 @@
           <a:bodyPr/>
           <a:lstStyle/>
           <a:p>
-            <a:fld id="{750DB789-506A-4687-A57C-FD2BD3D14800}" type="datetimeFigureOut">
+            <a:fld id="{7214CAD4-2C80-469B-8EA7-EF8EB61BE22B}" type="datetimeFigureOut">
               <a:rPr lang="zh-CN" altLang="en-US" smtClean="0"/>
               <a:t>2024/3/10</a:t>
             </a:fld>
@@ -671,7 +671,7 @@
           <p:cNvPr id="5" name="页脚占位符 4">
             <a:extLst>
               <a:ext uri="{FF2B5EF4-FFF2-40B4-BE49-F238E27FC236}">
-                <a16:creationId xmlns:a16="http://schemas.microsoft.com/office/drawing/2014/main" id="{CEF04FC6-E874-8439-7CB2-25E90412A6C6}"/>
+                <a16:creationId xmlns:a16="http://schemas.microsoft.com/office/drawing/2014/main" id="{C69833FA-1010-3E8E-A845-6DB7714E6610}"/>
               </a:ext>
             </a:extLst>
           </p:cNvPr>
@@ -696,7 +696,7 @@
           <p:cNvPr id="6" name="灯片编号占位符 5">
             <a:extLst>
               <a:ext uri="{FF2B5EF4-FFF2-40B4-BE49-F238E27FC236}">
-                <a16:creationId xmlns:a16="http://schemas.microsoft.com/office/drawing/2014/main" id="{3733C54E-0DBB-32C9-83CA-9A667FB7ED37}"/>
+                <a16:creationId xmlns:a16="http://schemas.microsoft.com/office/drawing/2014/main" id="{7C5E679A-FB6D-BD37-E590-DC5F74A09DBF}"/>
               </a:ext>
             </a:extLst>
           </p:cNvPr>
@@ -712,7 +712,7 @@
           <a:bodyPr/>
           <a:lstStyle/>
           <a:p>
-            <a:fld id="{8A4120BC-A991-4EEF-BF6D-247B664350CA}" type="slidenum">
+            <a:fld id="{35F473A7-3BDE-47DD-9586-1C64032C4B54}" type="slidenum">
               <a:rPr lang="zh-CN" altLang="en-US" smtClean="0"/>
               <a:t>‹#›</a:t>
             </a:fld>
@@ -723,7 +723,7 @@
     </p:spTree>
     <p:extLst>
       <p:ext uri="{BB962C8B-B14F-4D97-AF65-F5344CB8AC3E}">
-        <p14:creationId xmlns:p14="http://schemas.microsoft.com/office/powerpoint/2010/main" val="264445954"/>
+        <p14:creationId xmlns:p14="http://schemas.microsoft.com/office/powerpoint/2010/main" val="1183054363"/>
       </p:ext>
     </p:extLst>
   </p:cSld>
@@ -755,7 +755,7 @@
           <p:cNvPr id="2" name="标题 1">
             <a:extLst>
               <a:ext uri="{FF2B5EF4-FFF2-40B4-BE49-F238E27FC236}">
-                <a16:creationId xmlns:a16="http://schemas.microsoft.com/office/drawing/2014/main" id="{1EB618C8-179F-4623-85F5-7CA689F52288}"/>
+                <a16:creationId xmlns:a16="http://schemas.microsoft.com/office/drawing/2014/main" id="{A4B33DBD-C726-FF6E-3A9C-22E49CEC3420}"/>
               </a:ext>
             </a:extLst>
           </p:cNvPr>
@@ -783,7 +783,7 @@
           <p:cNvPr id="3" name="内容占位符 2">
             <a:extLst>
               <a:ext uri="{FF2B5EF4-FFF2-40B4-BE49-F238E27FC236}">
-                <a16:creationId xmlns:a16="http://schemas.microsoft.com/office/drawing/2014/main" id="{39DAB1C2-8948-B903-5C65-EFB6AE493D6E}"/>
+                <a16:creationId xmlns:a16="http://schemas.microsoft.com/office/drawing/2014/main" id="{6B9A55AC-86EE-B4E0-E421-DE75FB9B2C1B}"/>
               </a:ext>
             </a:extLst>
           </p:cNvPr>
@@ -840,7 +840,7 @@
           <p:cNvPr id="4" name="日期占位符 3">
             <a:extLst>
               <a:ext uri="{FF2B5EF4-FFF2-40B4-BE49-F238E27FC236}">
-                <a16:creationId xmlns:a16="http://schemas.microsoft.com/office/drawing/2014/main" id="{57E8AFCD-F4A4-55DD-82ED-8C58A62D20D8}"/>
+                <a16:creationId xmlns:a16="http://schemas.microsoft.com/office/drawing/2014/main" id="{1B2D9039-05E5-DB5E-BFA4-5348A7B9C460}"/>
               </a:ext>
             </a:extLst>
           </p:cNvPr>
@@ -856,7 +856,7 @@
           <a:bodyPr/>
           <a:lstStyle/>
           <a:p>
-            <a:fld id="{750DB789-506A-4687-A57C-FD2BD3D14800}" type="datetimeFigureOut">
+            <a:fld id="{7214CAD4-2C80-469B-8EA7-EF8EB61BE22B}" type="datetimeFigureOut">
               <a:rPr lang="zh-CN" altLang="en-US" smtClean="0"/>
               <a:t>2024/3/10</a:t>
             </a:fld>
@@ -869,7 +869,7 @@
           <p:cNvPr id="5" name="页脚占位符 4">
             <a:extLst>
               <a:ext uri="{FF2B5EF4-FFF2-40B4-BE49-F238E27FC236}">
-                <a16:creationId xmlns:a16="http://schemas.microsoft.com/office/drawing/2014/main" id="{BD9C3083-1D68-CED9-49C4-D7E97273DDEF}"/>
+                <a16:creationId xmlns:a16="http://schemas.microsoft.com/office/drawing/2014/main" id="{7CF23F90-30D0-914C-8902-643DC965B563}"/>
               </a:ext>
             </a:extLst>
           </p:cNvPr>
@@ -894,7 +894,7 @@
           <p:cNvPr id="6" name="灯片编号占位符 5">
             <a:extLst>
               <a:ext uri="{FF2B5EF4-FFF2-40B4-BE49-F238E27FC236}">
-                <a16:creationId xmlns:a16="http://schemas.microsoft.com/office/drawing/2014/main" id="{E3714488-8FD3-8515-9B6E-BC93A0B4E370}"/>
+                <a16:creationId xmlns:a16="http://schemas.microsoft.com/office/drawing/2014/main" id="{BF44F3A6-D031-F3EC-C495-7C8CA1A881BE}"/>
               </a:ext>
             </a:extLst>
           </p:cNvPr>
@@ -910,7 +910,7 @@
           <a:bodyPr/>
           <a:lstStyle/>
           <a:p>
-            <a:fld id="{8A4120BC-A991-4EEF-BF6D-247B664350CA}" type="slidenum">
+            <a:fld id="{35F473A7-3BDE-47DD-9586-1C64032C4B54}" type="slidenum">
               <a:rPr lang="zh-CN" altLang="en-US" smtClean="0"/>
               <a:t>‹#›</a:t>
             </a:fld>
@@ -921,7 +921,7 @@
     </p:spTree>
     <p:extLst>
       <p:ext uri="{BB962C8B-B14F-4D97-AF65-F5344CB8AC3E}">
-        <p14:creationId xmlns:p14="http://schemas.microsoft.com/office/powerpoint/2010/main" val="3654312324"/>
+        <p14:creationId xmlns:p14="http://schemas.microsoft.com/office/powerpoint/2010/main" val="2279424789"/>
       </p:ext>
     </p:extLst>
   </p:cSld>
@@ -953,7 +953,7 @@
           <p:cNvPr id="2" name="标题 1">
             <a:extLst>
               <a:ext uri="{FF2B5EF4-FFF2-40B4-BE49-F238E27FC236}">
-                <a16:creationId xmlns:a16="http://schemas.microsoft.com/office/drawing/2014/main" id="{AE257C12-B61E-AAA4-A8E4-2790FDE11E5F}"/>
+                <a16:creationId xmlns:a16="http://schemas.microsoft.com/office/drawing/2014/main" id="{6E5D30C6-3AC4-FD63-1425-71307DAC8CD8}"/>
               </a:ext>
             </a:extLst>
           </p:cNvPr>
@@ -990,7 +990,7 @@
           <p:cNvPr id="3" name="文本占位符 2">
             <a:extLst>
               <a:ext uri="{FF2B5EF4-FFF2-40B4-BE49-F238E27FC236}">
-                <a16:creationId xmlns:a16="http://schemas.microsoft.com/office/drawing/2014/main" id="{977EF4CF-DA7F-EBF3-6679-B3C6ADC69583}"/>
+                <a16:creationId xmlns:a16="http://schemas.microsoft.com/office/drawing/2014/main" id="{151D4F7F-0EE8-CB34-9C0C-60823AF39811}"/>
               </a:ext>
             </a:extLst>
           </p:cNvPr>
@@ -1115,7 +1115,7 @@
           <p:cNvPr id="4" name="日期占位符 3">
             <a:extLst>
               <a:ext uri="{FF2B5EF4-FFF2-40B4-BE49-F238E27FC236}">
-                <a16:creationId xmlns:a16="http://schemas.microsoft.com/office/drawing/2014/main" id="{EFD40BED-232D-5FDC-59B7-529E08CD4DEA}"/>
+                <a16:creationId xmlns:a16="http://schemas.microsoft.com/office/drawing/2014/main" id="{80AFBD7A-9552-043E-C885-DDA7583A53A2}"/>
               </a:ext>
             </a:extLst>
           </p:cNvPr>
@@ -1131,7 +1131,7 @@
           <a:bodyPr/>
           <a:lstStyle/>
           <a:p>
-            <a:fld id="{750DB789-506A-4687-A57C-FD2BD3D14800}" type="datetimeFigureOut">
+            <a:fld id="{7214CAD4-2C80-469B-8EA7-EF8EB61BE22B}" type="datetimeFigureOut">
               <a:rPr lang="zh-CN" altLang="en-US" smtClean="0"/>
               <a:t>2024/3/10</a:t>
             </a:fld>
@@ -1144,7 +1144,7 @@
           <p:cNvPr id="5" name="页脚占位符 4">
             <a:extLst>
               <a:ext uri="{FF2B5EF4-FFF2-40B4-BE49-F238E27FC236}">
-                <a16:creationId xmlns:a16="http://schemas.microsoft.com/office/drawing/2014/main" id="{0E80C488-AA4C-60BD-E2D8-FF9443212BE1}"/>
+                <a16:creationId xmlns:a16="http://schemas.microsoft.com/office/drawing/2014/main" id="{17377084-05BE-427D-2175-546B4539E173}"/>
               </a:ext>
             </a:extLst>
           </p:cNvPr>
@@ -1169,7 +1169,7 @@
           <p:cNvPr id="6" name="灯片编号占位符 5">
             <a:extLst>
               <a:ext uri="{FF2B5EF4-FFF2-40B4-BE49-F238E27FC236}">
-                <a16:creationId xmlns:a16="http://schemas.microsoft.com/office/drawing/2014/main" id="{B773A48F-FF5C-08C0-7FF9-FB588AE40E79}"/>
+                <a16:creationId xmlns:a16="http://schemas.microsoft.com/office/drawing/2014/main" id="{2419BF17-7918-0EF1-2DAE-EF0F774BB615}"/>
               </a:ext>
             </a:extLst>
           </p:cNvPr>
@@ -1185,7 +1185,7 @@
           <a:bodyPr/>
           <a:lstStyle/>
           <a:p>
-            <a:fld id="{8A4120BC-A991-4EEF-BF6D-247B664350CA}" type="slidenum">
+            <a:fld id="{35F473A7-3BDE-47DD-9586-1C64032C4B54}" type="slidenum">
               <a:rPr lang="zh-CN" altLang="en-US" smtClean="0"/>
               <a:t>‹#›</a:t>
             </a:fld>
@@ -1196,7 +1196,7 @@
     </p:spTree>
     <p:extLst>
       <p:ext uri="{BB962C8B-B14F-4D97-AF65-F5344CB8AC3E}">
-        <p14:creationId xmlns:p14="http://schemas.microsoft.com/office/powerpoint/2010/main" val="558289487"/>
+        <p14:creationId xmlns:p14="http://schemas.microsoft.com/office/powerpoint/2010/main" val="322013468"/>
       </p:ext>
     </p:extLst>
   </p:cSld>
@@ -1228,7 +1228,7 @@
           <p:cNvPr id="2" name="标题 1">
             <a:extLst>
               <a:ext uri="{FF2B5EF4-FFF2-40B4-BE49-F238E27FC236}">
-                <a16:creationId xmlns:a16="http://schemas.microsoft.com/office/drawing/2014/main" id="{6ADAF8E7-A5DD-2B5B-D177-451DBFE3730C}"/>
+                <a16:creationId xmlns:a16="http://schemas.microsoft.com/office/drawing/2014/main" id="{E8153044-9EFC-3924-BBF7-E1AD46C5DF23}"/>
               </a:ext>
             </a:extLst>
           </p:cNvPr>
@@ -1256,7 +1256,7 @@
           <p:cNvPr id="3" name="内容占位符 2">
             <a:extLst>
               <a:ext uri="{FF2B5EF4-FFF2-40B4-BE49-F238E27FC236}">
-                <a16:creationId xmlns:a16="http://schemas.microsoft.com/office/drawing/2014/main" id="{31CCA18F-0A6D-8C50-A586-F7CE11743B6D}"/>
+                <a16:creationId xmlns:a16="http://schemas.microsoft.com/office/drawing/2014/main" id="{9EA2EFD7-FB63-ECF6-F8FD-BE35368378DF}"/>
               </a:ext>
             </a:extLst>
           </p:cNvPr>
@@ -1318,7 +1318,7 @@
           <p:cNvPr id="4" name="内容占位符 3">
             <a:extLst>
               <a:ext uri="{FF2B5EF4-FFF2-40B4-BE49-F238E27FC236}">
-                <a16:creationId xmlns:a16="http://schemas.microsoft.com/office/drawing/2014/main" id="{069515CB-087E-F891-5920-62EB0DE0FD9F}"/>
+                <a16:creationId xmlns:a16="http://schemas.microsoft.com/office/drawing/2014/main" id="{24D568E7-0F35-0F07-1407-E2C234DB07B1}"/>
               </a:ext>
             </a:extLst>
           </p:cNvPr>
@@ -1380,7 +1380,7 @@
           <p:cNvPr id="5" name="日期占位符 4">
             <a:extLst>
               <a:ext uri="{FF2B5EF4-FFF2-40B4-BE49-F238E27FC236}">
-                <a16:creationId xmlns:a16="http://schemas.microsoft.com/office/drawing/2014/main" id="{8F9512EC-1A81-F273-6A82-FB75A1D5F6EB}"/>
+                <a16:creationId xmlns:a16="http://schemas.microsoft.com/office/drawing/2014/main" id="{6B5358C4-32C0-08FC-38B7-ABA314E80BA9}"/>
               </a:ext>
             </a:extLst>
           </p:cNvPr>
@@ -1396,7 +1396,7 @@
           <a:bodyPr/>
           <a:lstStyle/>
           <a:p>
-            <a:fld id="{750DB789-506A-4687-A57C-FD2BD3D14800}" type="datetimeFigureOut">
+            <a:fld id="{7214CAD4-2C80-469B-8EA7-EF8EB61BE22B}" type="datetimeFigureOut">
               <a:rPr lang="zh-CN" altLang="en-US" smtClean="0"/>
               <a:t>2024/3/10</a:t>
             </a:fld>
@@ -1409,7 +1409,7 @@
           <p:cNvPr id="6" name="页脚占位符 5">
             <a:extLst>
               <a:ext uri="{FF2B5EF4-FFF2-40B4-BE49-F238E27FC236}">
-                <a16:creationId xmlns:a16="http://schemas.microsoft.com/office/drawing/2014/main" id="{61C545D6-D22E-FE89-3880-B66006C7E832}"/>
+                <a16:creationId xmlns:a16="http://schemas.microsoft.com/office/drawing/2014/main" id="{5FEBC89B-4623-C70A-1EB1-D4EFA473BFEC}"/>
               </a:ext>
             </a:extLst>
           </p:cNvPr>
@@ -1434,7 +1434,7 @@
           <p:cNvPr id="7" name="灯片编号占位符 6">
             <a:extLst>
               <a:ext uri="{FF2B5EF4-FFF2-40B4-BE49-F238E27FC236}">
-                <a16:creationId xmlns:a16="http://schemas.microsoft.com/office/drawing/2014/main" id="{0462D6CF-6D99-8CB1-948C-63AB00006B4B}"/>
+                <a16:creationId xmlns:a16="http://schemas.microsoft.com/office/drawing/2014/main" id="{B25E25D3-010C-4A6C-FD39-374899C22E66}"/>
               </a:ext>
             </a:extLst>
           </p:cNvPr>
@@ -1450,7 +1450,7 @@
           <a:bodyPr/>
           <a:lstStyle/>
           <a:p>
-            <a:fld id="{8A4120BC-A991-4EEF-BF6D-247B664350CA}" type="slidenum">
+            <a:fld id="{35F473A7-3BDE-47DD-9586-1C64032C4B54}" type="slidenum">
               <a:rPr lang="zh-CN" altLang="en-US" smtClean="0"/>
               <a:t>‹#›</a:t>
             </a:fld>
@@ -1461,7 +1461,7 @@
     </p:spTree>
     <p:extLst>
       <p:ext uri="{BB962C8B-B14F-4D97-AF65-F5344CB8AC3E}">
-        <p14:creationId xmlns:p14="http://schemas.microsoft.com/office/powerpoint/2010/main" val="1559956639"/>
+        <p14:creationId xmlns:p14="http://schemas.microsoft.com/office/powerpoint/2010/main" val="1918145575"/>
       </p:ext>
     </p:extLst>
   </p:cSld>
@@ -1493,7 +1493,7 @@
           <p:cNvPr id="2" name="标题 1">
             <a:extLst>
               <a:ext uri="{FF2B5EF4-FFF2-40B4-BE49-F238E27FC236}">
-                <a16:creationId xmlns:a16="http://schemas.microsoft.com/office/drawing/2014/main" id="{F8AF58F4-2CD8-BE1F-D4E8-79AA1372AF8C}"/>
+                <a16:creationId xmlns:a16="http://schemas.microsoft.com/office/drawing/2014/main" id="{11AA26F3-01AD-C24F-F542-6A3919EF859A}"/>
               </a:ext>
             </a:extLst>
           </p:cNvPr>
@@ -1526,7 +1526,7 @@
           <p:cNvPr id="3" name="文本占位符 2">
             <a:extLst>
               <a:ext uri="{FF2B5EF4-FFF2-40B4-BE49-F238E27FC236}">
-                <a16:creationId xmlns:a16="http://schemas.microsoft.com/office/drawing/2014/main" id="{E4345FDB-B463-A80E-D2D7-A477FF5C75C1}"/>
+                <a16:creationId xmlns:a16="http://schemas.microsoft.com/office/drawing/2014/main" id="{6B9FFC4B-06DA-2795-0680-C50941B38514}"/>
               </a:ext>
             </a:extLst>
           </p:cNvPr>
@@ -1597,7 +1597,7 @@
           <p:cNvPr id="4" name="内容占位符 3">
             <a:extLst>
               <a:ext uri="{FF2B5EF4-FFF2-40B4-BE49-F238E27FC236}">
-                <a16:creationId xmlns:a16="http://schemas.microsoft.com/office/drawing/2014/main" id="{58803272-D53A-D282-9457-7DB3C581FBC0}"/>
+                <a16:creationId xmlns:a16="http://schemas.microsoft.com/office/drawing/2014/main" id="{90E6A776-03C5-B35D-F3AB-D3B96F5738F0}"/>
               </a:ext>
             </a:extLst>
           </p:cNvPr>
@@ -1659,7 +1659,7 @@
           <p:cNvPr id="5" name="文本占位符 4">
             <a:extLst>
               <a:ext uri="{FF2B5EF4-FFF2-40B4-BE49-F238E27FC236}">
-                <a16:creationId xmlns:a16="http://schemas.microsoft.com/office/drawing/2014/main" id="{1D968C03-9601-6FE3-AA29-E5F82656FAE7}"/>
+                <a16:creationId xmlns:a16="http://schemas.microsoft.com/office/drawing/2014/main" id="{8B4293AD-61E0-C647-07EE-7B1B735DF33A}"/>
               </a:ext>
             </a:extLst>
           </p:cNvPr>
@@ -1730,7 +1730,7 @@
           <p:cNvPr id="6" name="内容占位符 5">
             <a:extLst>
               <a:ext uri="{FF2B5EF4-FFF2-40B4-BE49-F238E27FC236}">
-                <a16:creationId xmlns:a16="http://schemas.microsoft.com/office/drawing/2014/main" id="{94542F5F-4A66-D9C1-8F13-07DE1213CFA4}"/>
+                <a16:creationId xmlns:a16="http://schemas.microsoft.com/office/drawing/2014/main" id="{3F81A3B8-0D1C-0193-D4CB-4528F8F7B97D}"/>
               </a:ext>
             </a:extLst>
           </p:cNvPr>
@@ -1792,7 +1792,7 @@
           <p:cNvPr id="7" name="日期占位符 6">
             <a:extLst>
               <a:ext uri="{FF2B5EF4-FFF2-40B4-BE49-F238E27FC236}">
-                <a16:creationId xmlns:a16="http://schemas.microsoft.com/office/drawing/2014/main" id="{A30B0F95-3A41-A4B8-8841-FED43C65BEDC}"/>
+                <a16:creationId xmlns:a16="http://schemas.microsoft.com/office/drawing/2014/main" id="{B09565E4-9456-DB8E-92C3-84062B4399FF}"/>
               </a:ext>
             </a:extLst>
           </p:cNvPr>
@@ -1808,7 +1808,7 @@
           <a:bodyPr/>
           <a:lstStyle/>
           <a:p>
-            <a:fld id="{750DB789-506A-4687-A57C-FD2BD3D14800}" type="datetimeFigureOut">
+            <a:fld id="{7214CAD4-2C80-469B-8EA7-EF8EB61BE22B}" type="datetimeFigureOut">
               <a:rPr lang="zh-CN" altLang="en-US" smtClean="0"/>
               <a:t>2024/3/10</a:t>
             </a:fld>
@@ -1821,7 +1821,7 @@
           <p:cNvPr id="8" name="页脚占位符 7">
             <a:extLst>
               <a:ext uri="{FF2B5EF4-FFF2-40B4-BE49-F238E27FC236}">
-                <a16:creationId xmlns:a16="http://schemas.microsoft.com/office/drawing/2014/main" id="{A5504CE2-903E-6586-15D3-324373DD79FC}"/>
+                <a16:creationId xmlns:a16="http://schemas.microsoft.com/office/drawing/2014/main" id="{4B76D1BF-387B-9273-7598-494607358EB1}"/>
               </a:ext>
             </a:extLst>
           </p:cNvPr>
@@ -1846,7 +1846,7 @@
           <p:cNvPr id="9" name="灯片编号占位符 8">
             <a:extLst>
               <a:ext uri="{FF2B5EF4-FFF2-40B4-BE49-F238E27FC236}">
-                <a16:creationId xmlns:a16="http://schemas.microsoft.com/office/drawing/2014/main" id="{811A270A-FFC2-EF7D-47F4-FA63C513A31A}"/>
+                <a16:creationId xmlns:a16="http://schemas.microsoft.com/office/drawing/2014/main" id="{C7D72955-2CDB-014B-FEA7-E22809D3F5BA}"/>
               </a:ext>
             </a:extLst>
           </p:cNvPr>
@@ -1862,7 +1862,7 @@
           <a:bodyPr/>
           <a:lstStyle/>
           <a:p>
-            <a:fld id="{8A4120BC-A991-4EEF-BF6D-247B664350CA}" type="slidenum">
+            <a:fld id="{35F473A7-3BDE-47DD-9586-1C64032C4B54}" type="slidenum">
               <a:rPr lang="zh-CN" altLang="en-US" smtClean="0"/>
               <a:t>‹#›</a:t>
             </a:fld>
@@ -1873,7 +1873,7 @@
     </p:spTree>
     <p:extLst>
       <p:ext uri="{BB962C8B-B14F-4D97-AF65-F5344CB8AC3E}">
-        <p14:creationId xmlns:p14="http://schemas.microsoft.com/office/powerpoint/2010/main" val="2521984058"/>
+        <p14:creationId xmlns:p14="http://schemas.microsoft.com/office/powerpoint/2010/main" val="3817321040"/>
       </p:ext>
     </p:extLst>
   </p:cSld>
@@ -1905,7 +1905,7 @@
           <p:cNvPr id="2" name="标题 1">
             <a:extLst>
               <a:ext uri="{FF2B5EF4-FFF2-40B4-BE49-F238E27FC236}">
-                <a16:creationId xmlns:a16="http://schemas.microsoft.com/office/drawing/2014/main" id="{0A75431B-C2EC-9943-72A1-7D77DFB26756}"/>
+                <a16:creationId xmlns:a16="http://schemas.microsoft.com/office/drawing/2014/main" id="{0F466FFB-49BD-28CC-D8AF-CF7094EED84B}"/>
               </a:ext>
             </a:extLst>
           </p:cNvPr>
@@ -1933,7 +1933,7 @@
           <p:cNvPr id="3" name="日期占位符 2">
             <a:extLst>
               <a:ext uri="{FF2B5EF4-FFF2-40B4-BE49-F238E27FC236}">
-                <a16:creationId xmlns:a16="http://schemas.microsoft.com/office/drawing/2014/main" id="{3C4AFB4B-C23F-7014-CE56-436AC40A3EFA}"/>
+                <a16:creationId xmlns:a16="http://schemas.microsoft.com/office/drawing/2014/main" id="{6DBC0EBE-8381-D39A-7CC7-B2CD56D2B37E}"/>
               </a:ext>
             </a:extLst>
           </p:cNvPr>
@@ -1949,7 +1949,7 @@
           <a:bodyPr/>
           <a:lstStyle/>
           <a:p>
-            <a:fld id="{750DB789-506A-4687-A57C-FD2BD3D14800}" type="datetimeFigureOut">
+            <a:fld id="{7214CAD4-2C80-469B-8EA7-EF8EB61BE22B}" type="datetimeFigureOut">
               <a:rPr lang="zh-CN" altLang="en-US" smtClean="0"/>
               <a:t>2024/3/10</a:t>
             </a:fld>
@@ -1962,7 +1962,7 @@
           <p:cNvPr id="4" name="页脚占位符 3">
             <a:extLst>
               <a:ext uri="{FF2B5EF4-FFF2-40B4-BE49-F238E27FC236}">
-                <a16:creationId xmlns:a16="http://schemas.microsoft.com/office/drawing/2014/main" id="{D4B90162-BD58-7D29-E753-E81077B4EBB6}"/>
+                <a16:creationId xmlns:a16="http://schemas.microsoft.com/office/drawing/2014/main" id="{CFFA0D87-A5DE-B2A7-C0B6-C6FE11720CF3}"/>
               </a:ext>
             </a:extLst>
           </p:cNvPr>
@@ -1987,7 +1987,7 @@
           <p:cNvPr id="5" name="灯片编号占位符 4">
             <a:extLst>
               <a:ext uri="{FF2B5EF4-FFF2-40B4-BE49-F238E27FC236}">
-                <a16:creationId xmlns:a16="http://schemas.microsoft.com/office/drawing/2014/main" id="{85990766-E6E7-2C55-CAD2-60F0C632FB6B}"/>
+                <a16:creationId xmlns:a16="http://schemas.microsoft.com/office/drawing/2014/main" id="{406AF2DC-73E9-7730-6985-17FA937163BC}"/>
               </a:ext>
             </a:extLst>
           </p:cNvPr>
@@ -2003,7 +2003,7 @@
           <a:bodyPr/>
           <a:lstStyle/>
           <a:p>
-            <a:fld id="{8A4120BC-A991-4EEF-BF6D-247B664350CA}" type="slidenum">
+            <a:fld id="{35F473A7-3BDE-47DD-9586-1C64032C4B54}" type="slidenum">
               <a:rPr lang="zh-CN" altLang="en-US" smtClean="0"/>
               <a:t>‹#›</a:t>
             </a:fld>
@@ -2014,7 +2014,7 @@
     </p:spTree>
     <p:extLst>
       <p:ext uri="{BB962C8B-B14F-4D97-AF65-F5344CB8AC3E}">
-        <p14:creationId xmlns:p14="http://schemas.microsoft.com/office/powerpoint/2010/main" val="2065597961"/>
+        <p14:creationId xmlns:p14="http://schemas.microsoft.com/office/powerpoint/2010/main" val="504748054"/>
       </p:ext>
     </p:extLst>
   </p:cSld>
@@ -2046,7 +2046,7 @@
           <p:cNvPr id="2" name="日期占位符 1">
             <a:extLst>
               <a:ext uri="{FF2B5EF4-FFF2-40B4-BE49-F238E27FC236}">
-                <a16:creationId xmlns:a16="http://schemas.microsoft.com/office/drawing/2014/main" id="{1980F7EF-8E77-4759-2201-4BDF2A1ECD46}"/>
+                <a16:creationId xmlns:a16="http://schemas.microsoft.com/office/drawing/2014/main" id="{BBE57244-2910-FD4F-99AA-E6D22E01F2E0}"/>
               </a:ext>
             </a:extLst>
           </p:cNvPr>
@@ -2062,7 +2062,7 @@
           <a:bodyPr/>
           <a:lstStyle/>
           <a:p>
-            <a:fld id="{750DB789-506A-4687-A57C-FD2BD3D14800}" type="datetimeFigureOut">
+            <a:fld id="{7214CAD4-2C80-469B-8EA7-EF8EB61BE22B}" type="datetimeFigureOut">
               <a:rPr lang="zh-CN" altLang="en-US" smtClean="0"/>
               <a:t>2024/3/10</a:t>
             </a:fld>
@@ -2075,7 +2075,7 @@
           <p:cNvPr id="3" name="页脚占位符 2">
             <a:extLst>
               <a:ext uri="{FF2B5EF4-FFF2-40B4-BE49-F238E27FC236}">
-                <a16:creationId xmlns:a16="http://schemas.microsoft.com/office/drawing/2014/main" id="{DFEACED5-28C5-6CEF-CF96-F0A0392C40F4}"/>
+                <a16:creationId xmlns:a16="http://schemas.microsoft.com/office/drawing/2014/main" id="{AA3B4D3A-B021-1ABB-60D7-216E18653EDD}"/>
               </a:ext>
             </a:extLst>
           </p:cNvPr>
@@ -2100,7 +2100,7 @@
           <p:cNvPr id="4" name="灯片编号占位符 3">
             <a:extLst>
               <a:ext uri="{FF2B5EF4-FFF2-40B4-BE49-F238E27FC236}">
-                <a16:creationId xmlns:a16="http://schemas.microsoft.com/office/drawing/2014/main" id="{BFC8E4C0-E17F-85A0-FBB5-F6220E6A1944}"/>
+                <a16:creationId xmlns:a16="http://schemas.microsoft.com/office/drawing/2014/main" id="{141D5F72-3465-BFF8-0C9B-4983C98AAFF8}"/>
               </a:ext>
             </a:extLst>
           </p:cNvPr>
@@ -2116,7 +2116,7 @@
           <a:bodyPr/>
           <a:lstStyle/>
           <a:p>
-            <a:fld id="{8A4120BC-A991-4EEF-BF6D-247B664350CA}" type="slidenum">
+            <a:fld id="{35F473A7-3BDE-47DD-9586-1C64032C4B54}" type="slidenum">
               <a:rPr lang="zh-CN" altLang="en-US" smtClean="0"/>
               <a:t>‹#›</a:t>
             </a:fld>
@@ -2127,7 +2127,7 @@
     </p:spTree>
     <p:extLst>
       <p:ext uri="{BB962C8B-B14F-4D97-AF65-F5344CB8AC3E}">
-        <p14:creationId xmlns:p14="http://schemas.microsoft.com/office/powerpoint/2010/main" val="2310588546"/>
+        <p14:creationId xmlns:p14="http://schemas.microsoft.com/office/powerpoint/2010/main" val="2430971706"/>
       </p:ext>
     </p:extLst>
   </p:cSld>
@@ -2159,7 +2159,7 @@
           <p:cNvPr id="2" name="标题 1">
             <a:extLst>
               <a:ext uri="{FF2B5EF4-FFF2-40B4-BE49-F238E27FC236}">
-                <a16:creationId xmlns:a16="http://schemas.microsoft.com/office/drawing/2014/main" id="{5FFE52DE-F6EA-BBB3-1665-15795FA4EDA0}"/>
+                <a16:creationId xmlns:a16="http://schemas.microsoft.com/office/drawing/2014/main" id="{9A18E4BF-108F-DD5A-54C1-0D9AC28CB28D}"/>
               </a:ext>
             </a:extLst>
           </p:cNvPr>
@@ -2196,7 +2196,7 @@
           <p:cNvPr id="3" name="内容占位符 2">
             <a:extLst>
               <a:ext uri="{FF2B5EF4-FFF2-40B4-BE49-F238E27FC236}">
-                <a16:creationId xmlns:a16="http://schemas.microsoft.com/office/drawing/2014/main" id="{7F47A2C1-8719-5269-9AE7-0B6256973358}"/>
+                <a16:creationId xmlns:a16="http://schemas.microsoft.com/office/drawing/2014/main" id="{B7E5F12D-CE41-DFC8-E52E-695099C5849F}"/>
               </a:ext>
             </a:extLst>
           </p:cNvPr>
@@ -2286,7 +2286,7 @@
           <p:cNvPr id="4" name="文本占位符 3">
             <a:extLst>
               <a:ext uri="{FF2B5EF4-FFF2-40B4-BE49-F238E27FC236}">
-                <a16:creationId xmlns:a16="http://schemas.microsoft.com/office/drawing/2014/main" id="{F8698412-68E0-2DDD-0B07-6E0B907EFDA0}"/>
+                <a16:creationId xmlns:a16="http://schemas.microsoft.com/office/drawing/2014/main" id="{08F868EF-3E58-BB80-7D0F-D78A7F7F77B7}"/>
               </a:ext>
             </a:extLst>
           </p:cNvPr>
@@ -2357,7 +2357,7 @@
           <p:cNvPr id="5" name="日期占位符 4">
             <a:extLst>
               <a:ext uri="{FF2B5EF4-FFF2-40B4-BE49-F238E27FC236}">
-                <a16:creationId xmlns:a16="http://schemas.microsoft.com/office/drawing/2014/main" id="{BC43FBCD-8768-901F-1793-1713205C910E}"/>
+                <a16:creationId xmlns:a16="http://schemas.microsoft.com/office/drawing/2014/main" id="{479F6390-04CD-A942-E866-2CAF1A446D88}"/>
               </a:ext>
             </a:extLst>
           </p:cNvPr>
@@ -2373,7 +2373,7 @@
           <a:bodyPr/>
           <a:lstStyle/>
           <a:p>
-            <a:fld id="{750DB789-506A-4687-A57C-FD2BD3D14800}" type="datetimeFigureOut">
+            <a:fld id="{7214CAD4-2C80-469B-8EA7-EF8EB61BE22B}" type="datetimeFigureOut">
               <a:rPr lang="zh-CN" altLang="en-US" smtClean="0"/>
               <a:t>2024/3/10</a:t>
             </a:fld>
@@ -2386,7 +2386,7 @@
           <p:cNvPr id="6" name="页脚占位符 5">
             <a:extLst>
               <a:ext uri="{FF2B5EF4-FFF2-40B4-BE49-F238E27FC236}">
-                <a16:creationId xmlns:a16="http://schemas.microsoft.com/office/drawing/2014/main" id="{ABB4554E-8E1E-E3E1-FD14-EA05B81BDB26}"/>
+                <a16:creationId xmlns:a16="http://schemas.microsoft.com/office/drawing/2014/main" id="{D104D60A-8D0B-3CAD-F2EE-9568E8608712}"/>
               </a:ext>
             </a:extLst>
           </p:cNvPr>
@@ -2411,7 +2411,7 @@
           <p:cNvPr id="7" name="灯片编号占位符 6">
             <a:extLst>
               <a:ext uri="{FF2B5EF4-FFF2-40B4-BE49-F238E27FC236}">
-                <a16:creationId xmlns:a16="http://schemas.microsoft.com/office/drawing/2014/main" id="{F2B87209-A294-4C3D-A015-96AA5C00B514}"/>
+                <a16:creationId xmlns:a16="http://schemas.microsoft.com/office/drawing/2014/main" id="{EC0F104C-C332-83B4-CC16-44E288553D6F}"/>
               </a:ext>
             </a:extLst>
           </p:cNvPr>
@@ -2427,7 +2427,7 @@
           <a:bodyPr/>
           <a:lstStyle/>
           <a:p>
-            <a:fld id="{8A4120BC-A991-4EEF-BF6D-247B664350CA}" type="slidenum">
+            <a:fld id="{35F473A7-3BDE-47DD-9586-1C64032C4B54}" type="slidenum">
               <a:rPr lang="zh-CN" altLang="en-US" smtClean="0"/>
               <a:t>‹#›</a:t>
             </a:fld>
@@ -2438,7 +2438,7 @@
     </p:spTree>
     <p:extLst>
       <p:ext uri="{BB962C8B-B14F-4D97-AF65-F5344CB8AC3E}">
-        <p14:creationId xmlns:p14="http://schemas.microsoft.com/office/powerpoint/2010/main" val="4292815971"/>
+        <p14:creationId xmlns:p14="http://schemas.microsoft.com/office/powerpoint/2010/main" val="3334947253"/>
       </p:ext>
     </p:extLst>
   </p:cSld>
@@ -2470,7 +2470,7 @@
           <p:cNvPr id="2" name="标题 1">
             <a:extLst>
               <a:ext uri="{FF2B5EF4-FFF2-40B4-BE49-F238E27FC236}">
-                <a16:creationId xmlns:a16="http://schemas.microsoft.com/office/drawing/2014/main" id="{0EFEBDA5-8C80-1769-77B8-FB0B6FDCFF6D}"/>
+                <a16:creationId xmlns:a16="http://schemas.microsoft.com/office/drawing/2014/main" id="{5B0806C9-4244-70DE-3CC0-3EB7D7D54F3C}"/>
               </a:ext>
             </a:extLst>
           </p:cNvPr>
@@ -2507,7 +2507,7 @@
           <p:cNvPr id="3" name="图片占位符 2">
             <a:extLst>
               <a:ext uri="{FF2B5EF4-FFF2-40B4-BE49-F238E27FC236}">
-                <a16:creationId xmlns:a16="http://schemas.microsoft.com/office/drawing/2014/main" id="{7AA669F7-B846-490A-AE09-687B0DDEAAC5}"/>
+                <a16:creationId xmlns:a16="http://schemas.microsoft.com/office/drawing/2014/main" id="{07B210C3-13C5-F464-BFEC-247505483374}"/>
               </a:ext>
             </a:extLst>
           </p:cNvPr>
@@ -2574,7 +2574,7 @@
           <p:cNvPr id="4" name="文本占位符 3">
             <a:extLst>
               <a:ext uri="{FF2B5EF4-FFF2-40B4-BE49-F238E27FC236}">
-                <a16:creationId xmlns:a16="http://schemas.microsoft.com/office/drawing/2014/main" id="{F463EC5F-BA43-7FF6-4577-1D62566528E1}"/>
+                <a16:creationId xmlns:a16="http://schemas.microsoft.com/office/drawing/2014/main" id="{D851A9E6-0F94-C2E0-A10E-384378E7E1C4}"/>
               </a:ext>
             </a:extLst>
           </p:cNvPr>
@@ -2645,7 +2645,7 @@
           <p:cNvPr id="5" name="日期占位符 4">
             <a:extLst>
               <a:ext uri="{FF2B5EF4-FFF2-40B4-BE49-F238E27FC236}">
-                <a16:creationId xmlns:a16="http://schemas.microsoft.com/office/drawing/2014/main" id="{6F1F629A-AD8A-ED34-809D-803A103F2A7C}"/>
+                <a16:creationId xmlns:a16="http://schemas.microsoft.com/office/drawing/2014/main" id="{D0FA78C9-538C-7FB9-7B08-928549D7F322}"/>
               </a:ext>
             </a:extLst>
           </p:cNvPr>
@@ -2661,7 +2661,7 @@
           <a:bodyPr/>
           <a:lstStyle/>
           <a:p>
-            <a:fld id="{750DB789-506A-4687-A57C-FD2BD3D14800}" type="datetimeFigureOut">
+            <a:fld id="{7214CAD4-2C80-469B-8EA7-EF8EB61BE22B}" type="datetimeFigureOut">
               <a:rPr lang="zh-CN" altLang="en-US" smtClean="0"/>
               <a:t>2024/3/10</a:t>
             </a:fld>
@@ -2674,7 +2674,7 @@
           <p:cNvPr id="6" name="页脚占位符 5">
             <a:extLst>
               <a:ext uri="{FF2B5EF4-FFF2-40B4-BE49-F238E27FC236}">
-                <a16:creationId xmlns:a16="http://schemas.microsoft.com/office/drawing/2014/main" id="{B3C72995-4CD2-B823-AFD5-4D9CA375D2D2}"/>
+                <a16:creationId xmlns:a16="http://schemas.microsoft.com/office/drawing/2014/main" id="{31C94EB8-9563-9C27-98DB-4F29466E0F0B}"/>
               </a:ext>
             </a:extLst>
           </p:cNvPr>
@@ -2699,7 +2699,7 @@
           <p:cNvPr id="7" name="灯片编号占位符 6">
             <a:extLst>
               <a:ext uri="{FF2B5EF4-FFF2-40B4-BE49-F238E27FC236}">
-                <a16:creationId xmlns:a16="http://schemas.microsoft.com/office/drawing/2014/main" id="{A3A9E496-FBC9-986D-D311-6A754CF00648}"/>
+                <a16:creationId xmlns:a16="http://schemas.microsoft.com/office/drawing/2014/main" id="{F4379C5C-B376-D719-BB77-2DD2E84E4E8C}"/>
               </a:ext>
             </a:extLst>
           </p:cNvPr>
@@ -2715,7 +2715,7 @@
           <a:bodyPr/>
           <a:lstStyle/>
           <a:p>
-            <a:fld id="{8A4120BC-A991-4EEF-BF6D-247B664350CA}" type="slidenum">
+            <a:fld id="{35F473A7-3BDE-47DD-9586-1C64032C4B54}" type="slidenum">
               <a:rPr lang="zh-CN" altLang="en-US" smtClean="0"/>
               <a:t>‹#›</a:t>
             </a:fld>
@@ -2726,7 +2726,7 @@
     </p:spTree>
     <p:extLst>
       <p:ext uri="{BB962C8B-B14F-4D97-AF65-F5344CB8AC3E}">
-        <p14:creationId xmlns:p14="http://schemas.microsoft.com/office/powerpoint/2010/main" val="2571635389"/>
+        <p14:creationId xmlns:p14="http://schemas.microsoft.com/office/powerpoint/2010/main" val="3996730217"/>
       </p:ext>
     </p:extLst>
   </p:cSld>
@@ -2763,7 +2763,7 @@
           <p:cNvPr id="2" name="标题占位符 1">
             <a:extLst>
               <a:ext uri="{FF2B5EF4-FFF2-40B4-BE49-F238E27FC236}">
-                <a16:creationId xmlns:a16="http://schemas.microsoft.com/office/drawing/2014/main" id="{632FB252-898A-A93F-1948-181D47952809}"/>
+                <a16:creationId xmlns:a16="http://schemas.microsoft.com/office/drawing/2014/main" id="{457F2946-5D3E-4F90-519E-6A8B09A28C02}"/>
               </a:ext>
             </a:extLst>
           </p:cNvPr>
@@ -2801,7 +2801,7 @@
           <p:cNvPr id="3" name="文本占位符 2">
             <a:extLst>
               <a:ext uri="{FF2B5EF4-FFF2-40B4-BE49-F238E27FC236}">
-                <a16:creationId xmlns:a16="http://schemas.microsoft.com/office/drawing/2014/main" id="{DFB5E59C-1EA2-0F46-C5E0-444A3FD094C2}"/>
+                <a16:creationId xmlns:a16="http://schemas.microsoft.com/office/drawing/2014/main" id="{30861BFD-AE54-F098-7028-9A2B946E083F}"/>
               </a:ext>
             </a:extLst>
           </p:cNvPr>
@@ -2868,7 +2868,7 @@
           <p:cNvPr id="4" name="日期占位符 3">
             <a:extLst>
               <a:ext uri="{FF2B5EF4-FFF2-40B4-BE49-F238E27FC236}">
-                <a16:creationId xmlns:a16="http://schemas.microsoft.com/office/drawing/2014/main" id="{E1681771-87D0-4A93-131A-4DA782F474B8}"/>
+                <a16:creationId xmlns:a16="http://schemas.microsoft.com/office/drawing/2014/main" id="{3F194D7F-403D-5D35-5BD2-783992EE53CB}"/>
               </a:ext>
             </a:extLst>
           </p:cNvPr>
@@ -2902,7 +2902,7 @@
             </a:lvl1pPr>
           </a:lstStyle>
           <a:p>
-            <a:fld id="{750DB789-506A-4687-A57C-FD2BD3D14800}" type="datetimeFigureOut">
+            <a:fld id="{7214CAD4-2C80-469B-8EA7-EF8EB61BE22B}" type="datetimeFigureOut">
               <a:rPr lang="zh-CN" altLang="en-US" smtClean="0"/>
               <a:t>2024/3/10</a:t>
             </a:fld>
@@ -2915,7 +2915,7 @@
           <p:cNvPr id="5" name="页脚占位符 4">
             <a:extLst>
               <a:ext uri="{FF2B5EF4-FFF2-40B4-BE49-F238E27FC236}">
-                <a16:creationId xmlns:a16="http://schemas.microsoft.com/office/drawing/2014/main" id="{59D3A270-1E9B-9154-C7B5-802909C6913F}"/>
+                <a16:creationId xmlns:a16="http://schemas.microsoft.com/office/drawing/2014/main" id="{36D509A1-08CF-DEA9-1D4D-108936C7E3F7}"/>
               </a:ext>
             </a:extLst>
           </p:cNvPr>
@@ -2958,7 +2958,7 @@
           <p:cNvPr id="6" name="灯片编号占位符 5">
             <a:extLst>
               <a:ext uri="{FF2B5EF4-FFF2-40B4-BE49-F238E27FC236}">
-                <a16:creationId xmlns:a16="http://schemas.microsoft.com/office/drawing/2014/main" id="{591F388C-5324-737F-7D93-0615F74F9CDC}"/>
+                <a16:creationId xmlns:a16="http://schemas.microsoft.com/office/drawing/2014/main" id="{214E7149-175C-CCD0-E099-9E4045B25A44}"/>
               </a:ext>
             </a:extLst>
           </p:cNvPr>
@@ -2992,7 +2992,7 @@
             </a:lvl1pPr>
           </a:lstStyle>
           <a:p>
-            <a:fld id="{8A4120BC-A991-4EEF-BF6D-247B664350CA}" type="slidenum">
+            <a:fld id="{35F473A7-3BDE-47DD-9586-1C64032C4B54}" type="slidenum">
               <a:rPr lang="zh-CN" altLang="en-US" smtClean="0"/>
               <a:t>‹#›</a:t>
             </a:fld>
@@ -3003,7 +3003,7 @@
     </p:spTree>
     <p:extLst>
       <p:ext uri="{BB962C8B-B14F-4D97-AF65-F5344CB8AC3E}">
-        <p14:creationId xmlns:p14="http://schemas.microsoft.com/office/powerpoint/2010/main" val="1214974619"/>
+        <p14:creationId xmlns:p14="http://schemas.microsoft.com/office/powerpoint/2010/main" val="2342006312"/>
       </p:ext>
     </p:extLst>
   </p:cSld>
